--- a/javaexp/doc/a02_project/산출물sample.pptx
+++ b/javaexp/doc/a02_project/산출물sample.pptx
@@ -5,12 +5,14 @@
     <p:sldMasterId id="2147483648" r:id="rId1"/>
   </p:sldMasterIdLst>
   <p:notesMasterIdLst>
-    <p:notesMasterId r:id="rId5"/>
+    <p:notesMasterId r:id="rId7"/>
   </p:notesMasterIdLst>
   <p:sldIdLst>
     <p:sldId id="260" r:id="rId2"/>
     <p:sldId id="258" r:id="rId3"/>
     <p:sldId id="259" r:id="rId4"/>
+    <p:sldId id="261" r:id="rId5"/>
+    <p:sldId id="262" r:id="rId6"/>
   </p:sldIdLst>
   <p:sldSz cx="9144000" cy="6858000" type="screen4x3"/>
   <p:notesSz cx="6858000" cy="9144000"/>
@@ -194,7 +196,8 @@
           <a:p>
             <a:fld id="{50F5214C-F7A0-4839-8513-A7819649D71E}" type="datetimeFigureOut">
               <a:rPr lang="ko-KR" altLang="en-US" smtClean="0"/>
-              <a:t>2023-04-21</a:t>
+              <a:pPr/>
+              <a:t>2023-05-12</a:t>
             </a:fld>
             <a:endParaRPr lang="ko-KR" altLang="en-US"/>
           </a:p>
@@ -355,6 +358,7 @@
           <a:p>
             <a:fld id="{EEF67F85-D0EA-4468-AE02-FA12D560A690}" type="slidenum">
               <a:rPr lang="ko-KR" altLang="en-US" smtClean="0"/>
+              <a:pPr/>
               <a:t>‹#›</a:t>
             </a:fld>
             <a:endParaRPr lang="ko-KR" altLang="en-US"/>
@@ -952,7 +956,8 @@
           <a:p>
             <a:fld id="{D69DEE0E-05A6-4E45-B7B6-74F3DCFC3BFE}" type="datetimeFigureOut">
               <a:rPr lang="ko-KR" altLang="en-US" smtClean="0"/>
-              <a:t>2023-04-21</a:t>
+              <a:pPr/>
+              <a:t>2023-05-12</a:t>
             </a:fld>
             <a:endParaRPr lang="ko-KR" altLang="en-US"/>
           </a:p>
@@ -994,6 +999,7 @@
           <a:p>
             <a:fld id="{5FA8F519-4AD4-4542-ADF8-77365F0293EE}" type="slidenum">
               <a:rPr lang="ko-KR" altLang="en-US" smtClean="0"/>
+              <a:pPr/>
               <a:t>‹#›</a:t>
             </a:fld>
             <a:endParaRPr lang="ko-KR" altLang="en-US"/>
@@ -1117,7 +1123,8 @@
           <a:p>
             <a:fld id="{D69DEE0E-05A6-4E45-B7B6-74F3DCFC3BFE}" type="datetimeFigureOut">
               <a:rPr lang="ko-KR" altLang="en-US" smtClean="0"/>
-              <a:t>2023-04-21</a:t>
+              <a:pPr/>
+              <a:t>2023-05-12</a:t>
             </a:fld>
             <a:endParaRPr lang="ko-KR" altLang="en-US"/>
           </a:p>
@@ -1159,6 +1166,7 @@
           <a:p>
             <a:fld id="{5FA8F519-4AD4-4542-ADF8-77365F0293EE}" type="slidenum">
               <a:rPr lang="ko-KR" altLang="en-US" smtClean="0"/>
+              <a:pPr/>
               <a:t>‹#›</a:t>
             </a:fld>
             <a:endParaRPr lang="ko-KR" altLang="en-US"/>
@@ -1292,7 +1300,8 @@
           <a:p>
             <a:fld id="{D69DEE0E-05A6-4E45-B7B6-74F3DCFC3BFE}" type="datetimeFigureOut">
               <a:rPr lang="ko-KR" altLang="en-US" smtClean="0"/>
-              <a:t>2023-04-21</a:t>
+              <a:pPr/>
+              <a:t>2023-05-12</a:t>
             </a:fld>
             <a:endParaRPr lang="ko-KR" altLang="en-US"/>
           </a:p>
@@ -1334,6 +1343,7 @@
           <a:p>
             <a:fld id="{5FA8F519-4AD4-4542-ADF8-77365F0293EE}" type="slidenum">
               <a:rPr lang="ko-KR" altLang="en-US" smtClean="0"/>
+              <a:pPr/>
               <a:t>‹#›</a:t>
             </a:fld>
             <a:endParaRPr lang="ko-KR" altLang="en-US"/>
@@ -1457,7 +1467,8 @@
           <a:p>
             <a:fld id="{D69DEE0E-05A6-4E45-B7B6-74F3DCFC3BFE}" type="datetimeFigureOut">
               <a:rPr lang="ko-KR" altLang="en-US" smtClean="0"/>
-              <a:t>2023-04-21</a:t>
+              <a:pPr/>
+              <a:t>2023-05-12</a:t>
             </a:fld>
             <a:endParaRPr lang="ko-KR" altLang="en-US"/>
           </a:p>
@@ -1499,6 +1510,7 @@
           <a:p>
             <a:fld id="{5FA8F519-4AD4-4542-ADF8-77365F0293EE}" type="slidenum">
               <a:rPr lang="ko-KR" altLang="en-US" smtClean="0"/>
+              <a:pPr/>
               <a:t>‹#›</a:t>
             </a:fld>
             <a:endParaRPr lang="ko-KR" altLang="en-US"/>
@@ -1698,7 +1710,8 @@
           <a:p>
             <a:fld id="{D69DEE0E-05A6-4E45-B7B6-74F3DCFC3BFE}" type="datetimeFigureOut">
               <a:rPr lang="ko-KR" altLang="en-US" smtClean="0"/>
-              <a:t>2023-04-21</a:t>
+              <a:pPr/>
+              <a:t>2023-05-12</a:t>
             </a:fld>
             <a:endParaRPr lang="ko-KR" altLang="en-US"/>
           </a:p>
@@ -1740,6 +1753,7 @@
           <a:p>
             <a:fld id="{5FA8F519-4AD4-4542-ADF8-77365F0293EE}" type="slidenum">
               <a:rPr lang="ko-KR" altLang="en-US" smtClean="0"/>
+              <a:pPr/>
               <a:t>‹#›</a:t>
             </a:fld>
             <a:endParaRPr lang="ko-KR" altLang="en-US"/>
@@ -1981,7 +1995,8 @@
           <a:p>
             <a:fld id="{D69DEE0E-05A6-4E45-B7B6-74F3DCFC3BFE}" type="datetimeFigureOut">
               <a:rPr lang="ko-KR" altLang="en-US" smtClean="0"/>
-              <a:t>2023-04-21</a:t>
+              <a:pPr/>
+              <a:t>2023-05-12</a:t>
             </a:fld>
             <a:endParaRPr lang="ko-KR" altLang="en-US"/>
           </a:p>
@@ -2023,6 +2038,7 @@
           <a:p>
             <a:fld id="{5FA8F519-4AD4-4542-ADF8-77365F0293EE}" type="slidenum">
               <a:rPr lang="ko-KR" altLang="en-US" smtClean="0"/>
+              <a:pPr/>
               <a:t>‹#›</a:t>
             </a:fld>
             <a:endParaRPr lang="ko-KR" altLang="en-US"/>
@@ -2398,7 +2414,8 @@
           <a:p>
             <a:fld id="{D69DEE0E-05A6-4E45-B7B6-74F3DCFC3BFE}" type="datetimeFigureOut">
               <a:rPr lang="ko-KR" altLang="en-US" smtClean="0"/>
-              <a:t>2023-04-21</a:t>
+              <a:pPr/>
+              <a:t>2023-05-12</a:t>
             </a:fld>
             <a:endParaRPr lang="ko-KR" altLang="en-US"/>
           </a:p>
@@ -2440,6 +2457,7 @@
           <a:p>
             <a:fld id="{5FA8F519-4AD4-4542-ADF8-77365F0293EE}" type="slidenum">
               <a:rPr lang="ko-KR" altLang="en-US" smtClean="0"/>
+              <a:pPr/>
               <a:t>‹#›</a:t>
             </a:fld>
             <a:endParaRPr lang="ko-KR" altLang="en-US"/>
@@ -2511,7 +2529,8 @@
           <a:p>
             <a:fld id="{D69DEE0E-05A6-4E45-B7B6-74F3DCFC3BFE}" type="datetimeFigureOut">
               <a:rPr lang="ko-KR" altLang="en-US" smtClean="0"/>
-              <a:t>2023-04-21</a:t>
+              <a:pPr/>
+              <a:t>2023-05-12</a:t>
             </a:fld>
             <a:endParaRPr lang="ko-KR" altLang="en-US"/>
           </a:p>
@@ -2553,6 +2572,7 @@
           <a:p>
             <a:fld id="{5FA8F519-4AD4-4542-ADF8-77365F0293EE}" type="slidenum">
               <a:rPr lang="ko-KR" altLang="en-US" smtClean="0"/>
+              <a:pPr/>
               <a:t>‹#›</a:t>
             </a:fld>
             <a:endParaRPr lang="ko-KR" altLang="en-US"/>
@@ -2601,7 +2621,8 @@
           <a:p>
             <a:fld id="{D69DEE0E-05A6-4E45-B7B6-74F3DCFC3BFE}" type="datetimeFigureOut">
               <a:rPr lang="ko-KR" altLang="en-US" smtClean="0"/>
-              <a:t>2023-04-21</a:t>
+              <a:pPr/>
+              <a:t>2023-05-12</a:t>
             </a:fld>
             <a:endParaRPr lang="ko-KR" altLang="en-US"/>
           </a:p>
@@ -2643,6 +2664,7 @@
           <a:p>
             <a:fld id="{5FA8F519-4AD4-4542-ADF8-77365F0293EE}" type="slidenum">
               <a:rPr lang="ko-KR" altLang="en-US" smtClean="0"/>
+              <a:pPr/>
               <a:t>‹#›</a:t>
             </a:fld>
             <a:endParaRPr lang="ko-KR" altLang="en-US"/>
@@ -2873,7 +2895,8 @@
           <a:p>
             <a:fld id="{D69DEE0E-05A6-4E45-B7B6-74F3DCFC3BFE}" type="datetimeFigureOut">
               <a:rPr lang="ko-KR" altLang="en-US" smtClean="0"/>
-              <a:t>2023-04-21</a:t>
+              <a:pPr/>
+              <a:t>2023-05-12</a:t>
             </a:fld>
             <a:endParaRPr lang="ko-KR" altLang="en-US"/>
           </a:p>
@@ -2915,6 +2938,7 @@
           <a:p>
             <a:fld id="{5FA8F519-4AD4-4542-ADF8-77365F0293EE}" type="slidenum">
               <a:rPr lang="ko-KR" altLang="en-US" smtClean="0"/>
+              <a:pPr/>
               <a:t>‹#›</a:t>
             </a:fld>
             <a:endParaRPr lang="ko-KR" altLang="en-US"/>
@@ -3121,7 +3145,8 @@
           <a:p>
             <a:fld id="{D69DEE0E-05A6-4E45-B7B6-74F3DCFC3BFE}" type="datetimeFigureOut">
               <a:rPr lang="ko-KR" altLang="en-US" smtClean="0"/>
-              <a:t>2023-04-21</a:t>
+              <a:pPr/>
+              <a:t>2023-05-12</a:t>
             </a:fld>
             <a:endParaRPr lang="ko-KR" altLang="en-US"/>
           </a:p>
@@ -3163,6 +3188,7 @@
           <a:p>
             <a:fld id="{5FA8F519-4AD4-4542-ADF8-77365F0293EE}" type="slidenum">
               <a:rPr lang="ko-KR" altLang="en-US" smtClean="0"/>
+              <a:pPr/>
               <a:t>‹#›</a:t>
             </a:fld>
             <a:endParaRPr lang="ko-KR" altLang="en-US"/>
@@ -3329,7 +3355,8 @@
           <a:p>
             <a:fld id="{D69DEE0E-05A6-4E45-B7B6-74F3DCFC3BFE}" type="datetimeFigureOut">
               <a:rPr lang="ko-KR" altLang="en-US" smtClean="0"/>
-              <a:t>2023-04-21</a:t>
+              <a:pPr/>
+              <a:t>2023-05-12</a:t>
             </a:fld>
             <a:endParaRPr lang="ko-KR" altLang="en-US"/>
           </a:p>
@@ -3407,6 +3434,7 @@
           <a:p>
             <a:fld id="{5FA8F519-4AD4-4542-ADF8-77365F0293EE}" type="slidenum">
               <a:rPr lang="ko-KR" altLang="en-US" smtClean="0"/>
+              <a:pPr/>
               <a:t>‹#›</a:t>
             </a:fld>
             <a:endParaRPr lang="ko-KR" altLang="en-US"/>
@@ -6944,42 +6972,42 @@
                 <a:gridCol w="783689">
                   <a:extLst>
                     <a:ext uri="{9D8B030D-6E8A-4147-A177-3AD203B41FA5}">
-                      <a16:colId xmlns:a16="http://schemas.microsoft.com/office/drawing/2014/main" xmlns="" val="20000"/>
+                      <a16:colId xmlns="" xmlns:a16="http://schemas.microsoft.com/office/drawing/2014/main" val="20000"/>
                     </a:ext>
                   </a:extLst>
                 </a:gridCol>
                 <a:gridCol w="889514">
                   <a:extLst>
                     <a:ext uri="{9D8B030D-6E8A-4147-A177-3AD203B41FA5}">
-                      <a16:colId xmlns:a16="http://schemas.microsoft.com/office/drawing/2014/main" xmlns="" val="20001"/>
+                      <a16:colId xmlns="" xmlns:a16="http://schemas.microsoft.com/office/drawing/2014/main" val="20001"/>
                     </a:ext>
                   </a:extLst>
                 </a:gridCol>
                 <a:gridCol w="974436">
                   <a:extLst>
                     <a:ext uri="{9D8B030D-6E8A-4147-A177-3AD203B41FA5}">
-                      <a16:colId xmlns:a16="http://schemas.microsoft.com/office/drawing/2014/main" xmlns="" val="20002"/>
+                      <a16:colId xmlns="" xmlns:a16="http://schemas.microsoft.com/office/drawing/2014/main" val="20002"/>
                     </a:ext>
                   </a:extLst>
                 </a:gridCol>
                 <a:gridCol w="1521531">
                   <a:extLst>
                     <a:ext uri="{9D8B030D-6E8A-4147-A177-3AD203B41FA5}">
-                      <a16:colId xmlns:a16="http://schemas.microsoft.com/office/drawing/2014/main" xmlns="" val="20003"/>
+                      <a16:colId xmlns="" xmlns:a16="http://schemas.microsoft.com/office/drawing/2014/main" val="20003"/>
                     </a:ext>
                   </a:extLst>
                 </a:gridCol>
                 <a:gridCol w="3624969">
                   <a:extLst>
                     <a:ext uri="{9D8B030D-6E8A-4147-A177-3AD203B41FA5}">
-                      <a16:colId xmlns:a16="http://schemas.microsoft.com/office/drawing/2014/main" xmlns="" val="20004"/>
+                      <a16:colId xmlns="" xmlns:a16="http://schemas.microsoft.com/office/drawing/2014/main" val="20004"/>
                     </a:ext>
                   </a:extLst>
                 </a:gridCol>
                 <a:gridCol w="921298">
                   <a:extLst>
                     <a:ext uri="{9D8B030D-6E8A-4147-A177-3AD203B41FA5}">
-                      <a16:colId xmlns:a16="http://schemas.microsoft.com/office/drawing/2014/main" xmlns="" val="20005"/>
+                      <a16:colId xmlns="" xmlns:a16="http://schemas.microsoft.com/office/drawing/2014/main" val="20005"/>
                     </a:ext>
                   </a:extLst>
                 </a:gridCol>
@@ -7242,7 +7270,7 @@
                 </a:tc>
                 <a:extLst>
                   <a:ext uri="{0D108BD9-81ED-4DB2-BD59-A6C34878D82A}">
-                    <a16:rowId xmlns:a16="http://schemas.microsoft.com/office/drawing/2014/main" xmlns="" val="10000"/>
+                    <a16:rowId xmlns="" xmlns:a16="http://schemas.microsoft.com/office/drawing/2014/main" val="10000"/>
                   </a:ext>
                 </a:extLst>
               </a:tr>
@@ -7606,7 +7634,7 @@
                 </a:tc>
                 <a:extLst>
                   <a:ext uri="{0D108BD9-81ED-4DB2-BD59-A6C34878D82A}">
-                    <a16:rowId xmlns:a16="http://schemas.microsoft.com/office/drawing/2014/main" xmlns="" val="10001"/>
+                    <a16:rowId xmlns="" xmlns:a16="http://schemas.microsoft.com/office/drawing/2014/main" val="10001"/>
                   </a:ext>
                 </a:extLst>
               </a:tr>
@@ -7969,7 +7997,7 @@
                 </a:tc>
                 <a:extLst>
                   <a:ext uri="{0D108BD9-81ED-4DB2-BD59-A6C34878D82A}">
-                    <a16:rowId xmlns:a16="http://schemas.microsoft.com/office/drawing/2014/main" xmlns="" val="10002"/>
+                    <a16:rowId xmlns="" xmlns:a16="http://schemas.microsoft.com/office/drawing/2014/main" val="10002"/>
                   </a:ext>
                 </a:extLst>
               </a:tr>
@@ -8337,7 +8365,7 @@
                 </a:tc>
                 <a:extLst>
                   <a:ext uri="{0D108BD9-81ED-4DB2-BD59-A6C34878D82A}">
-                    <a16:rowId xmlns:a16="http://schemas.microsoft.com/office/drawing/2014/main" xmlns="" val="10003"/>
+                    <a16:rowId xmlns="" xmlns:a16="http://schemas.microsoft.com/office/drawing/2014/main" val="10003"/>
                   </a:ext>
                 </a:extLst>
               </a:tr>
@@ -8700,7 +8728,7 @@
                 </a:tc>
                 <a:extLst>
                   <a:ext uri="{0D108BD9-81ED-4DB2-BD59-A6C34878D82A}">
-                    <a16:rowId xmlns:a16="http://schemas.microsoft.com/office/drawing/2014/main" xmlns="" val="10004"/>
+                    <a16:rowId xmlns="" xmlns:a16="http://schemas.microsoft.com/office/drawing/2014/main" val="10004"/>
                   </a:ext>
                 </a:extLst>
               </a:tr>
@@ -9062,7 +9090,7 @@
                 </a:tc>
                 <a:extLst>
                   <a:ext uri="{0D108BD9-81ED-4DB2-BD59-A6C34878D82A}">
-                    <a16:rowId xmlns:a16="http://schemas.microsoft.com/office/drawing/2014/main" xmlns="" val="10005"/>
+                    <a16:rowId xmlns="" xmlns:a16="http://schemas.microsoft.com/office/drawing/2014/main" val="10005"/>
                   </a:ext>
                 </a:extLst>
               </a:tr>
@@ -9287,7 +9315,7 @@
                 </a:tc>
                 <a:extLst>
                   <a:ext uri="{0D108BD9-81ED-4DB2-BD59-A6C34878D82A}">
-                    <a16:rowId xmlns:a16="http://schemas.microsoft.com/office/drawing/2014/main" xmlns="" val="10006"/>
+                    <a16:rowId xmlns="" xmlns:a16="http://schemas.microsoft.com/office/drawing/2014/main" val="10006"/>
                   </a:ext>
                 </a:extLst>
               </a:tr>
@@ -9466,7 +9494,7 @@
                 </a:tc>
                 <a:extLst>
                   <a:ext uri="{0D108BD9-81ED-4DB2-BD59-A6C34878D82A}">
-                    <a16:rowId xmlns:a16="http://schemas.microsoft.com/office/drawing/2014/main" xmlns="" val="10007"/>
+                    <a16:rowId xmlns="" xmlns:a16="http://schemas.microsoft.com/office/drawing/2014/main" val="10007"/>
                   </a:ext>
                 </a:extLst>
               </a:tr>
@@ -16038,6 +16066,198 @@
 </p:sld>
 </file>
 
+<file path=ppt/slides/slide4.xml><?xml version="1.0" encoding="utf-8"?>
+<p:sld xmlns:a="http://schemas.openxmlformats.org/drawingml/2006/main" xmlns:r="http://schemas.openxmlformats.org/officeDocument/2006/relationships" xmlns:p="http://schemas.openxmlformats.org/presentationml/2006/main">
+  <p:cSld>
+    <p:spTree>
+      <p:nvGrpSpPr>
+        <p:cNvPr id="1" name=""/>
+        <p:cNvGrpSpPr/>
+        <p:nvPr/>
+      </p:nvGrpSpPr>
+      <p:grpSpPr>
+        <a:xfrm>
+          <a:off x="0" y="0"/>
+          <a:ext cx="0" cy="0"/>
+          <a:chOff x="0" y="0"/>
+          <a:chExt cx="0" cy="0"/>
+        </a:xfrm>
+      </p:grpSpPr>
+      <p:sp>
+        <p:nvSpPr>
+          <p:cNvPr id="2" name="제목 1"/>
+          <p:cNvSpPr>
+            <a:spLocks noGrp="1"/>
+          </p:cNvSpPr>
+          <p:nvPr>
+            <p:ph type="title"/>
+          </p:nvPr>
+        </p:nvSpPr>
+        <p:spPr/>
+        <p:txBody>
+          <a:bodyPr/>
+          <a:lstStyle/>
+          <a:p>
+            <a:endParaRPr lang="ko-KR" altLang="en-US"/>
+          </a:p>
+        </p:txBody>
+      </p:sp>
+      <p:sp>
+        <p:nvSpPr>
+          <p:cNvPr id="3" name="내용 개체 틀 2"/>
+          <p:cNvSpPr>
+            <a:spLocks noGrp="1"/>
+          </p:cNvSpPr>
+          <p:nvPr>
+            <p:ph idx="1"/>
+          </p:nvPr>
+        </p:nvSpPr>
+        <p:spPr/>
+        <p:txBody>
+          <a:bodyPr/>
+          <a:lstStyle/>
+          <a:p>
+            <a:endParaRPr lang="ko-KR" altLang="en-US"/>
+          </a:p>
+        </p:txBody>
+      </p:sp>
+      <p:pic>
+        <p:nvPicPr>
+          <p:cNvPr id="1026" name="Picture 2"/>
+          <p:cNvPicPr>
+            <a:picLocks noChangeAspect="1" noChangeArrowheads="1"/>
+          </p:cNvPicPr>
+          <p:nvPr/>
+        </p:nvPicPr>
+        <p:blipFill>
+          <a:blip r:embed="rId2"/>
+          <a:srcRect/>
+          <a:stretch>
+            <a:fillRect/>
+          </a:stretch>
+        </p:blipFill>
+        <p:spPr bwMode="auto">
+          <a:xfrm>
+            <a:off x="0" y="0"/>
+            <a:ext cx="9144000" cy="6858000"/>
+          </a:xfrm>
+          <a:prstGeom prst="rect">
+            <a:avLst/>
+          </a:prstGeom>
+          <a:noFill/>
+          <a:ln w="9525">
+            <a:noFill/>
+            <a:miter lim="800000"/>
+            <a:headEnd/>
+            <a:tailEnd/>
+          </a:ln>
+          <a:effectLst/>
+        </p:spPr>
+      </p:pic>
+    </p:spTree>
+  </p:cSld>
+  <p:clrMapOvr>
+    <a:masterClrMapping/>
+  </p:clrMapOvr>
+</p:sld>
+</file>
+
+<file path=ppt/slides/slide5.xml><?xml version="1.0" encoding="utf-8"?>
+<p:sld xmlns:a="http://schemas.openxmlformats.org/drawingml/2006/main" xmlns:r="http://schemas.openxmlformats.org/officeDocument/2006/relationships" xmlns:p="http://schemas.openxmlformats.org/presentationml/2006/main">
+  <p:cSld>
+    <p:spTree>
+      <p:nvGrpSpPr>
+        <p:cNvPr id="1" name=""/>
+        <p:cNvGrpSpPr/>
+        <p:nvPr/>
+      </p:nvGrpSpPr>
+      <p:grpSpPr>
+        <a:xfrm>
+          <a:off x="0" y="0"/>
+          <a:ext cx="0" cy="0"/>
+          <a:chOff x="0" y="0"/>
+          <a:chExt cx="0" cy="0"/>
+        </a:xfrm>
+      </p:grpSpPr>
+      <p:sp>
+        <p:nvSpPr>
+          <p:cNvPr id="2" name="제목 1"/>
+          <p:cNvSpPr>
+            <a:spLocks noGrp="1"/>
+          </p:cNvSpPr>
+          <p:nvPr>
+            <p:ph type="title"/>
+          </p:nvPr>
+        </p:nvSpPr>
+        <p:spPr/>
+        <p:txBody>
+          <a:bodyPr/>
+          <a:lstStyle/>
+          <a:p>
+            <a:endParaRPr lang="ko-KR" altLang="en-US"/>
+          </a:p>
+        </p:txBody>
+      </p:sp>
+      <p:sp>
+        <p:nvSpPr>
+          <p:cNvPr id="3" name="내용 개체 틀 2"/>
+          <p:cNvSpPr>
+            <a:spLocks noGrp="1"/>
+          </p:cNvSpPr>
+          <p:nvPr>
+            <p:ph idx="1"/>
+          </p:nvPr>
+        </p:nvSpPr>
+        <p:spPr/>
+        <p:txBody>
+          <a:bodyPr/>
+          <a:lstStyle/>
+          <a:p>
+            <a:endParaRPr lang="ko-KR" altLang="en-US"/>
+          </a:p>
+        </p:txBody>
+      </p:sp>
+      <p:pic>
+        <p:nvPicPr>
+          <p:cNvPr id="2050" name="Picture 2"/>
+          <p:cNvPicPr>
+            <a:picLocks noChangeAspect="1" noChangeArrowheads="1"/>
+          </p:cNvPicPr>
+          <p:nvPr/>
+        </p:nvPicPr>
+        <p:blipFill>
+          <a:blip r:embed="rId2"/>
+          <a:srcRect/>
+          <a:stretch>
+            <a:fillRect/>
+          </a:stretch>
+        </p:blipFill>
+        <p:spPr bwMode="auto">
+          <a:xfrm>
+            <a:off x="0" y="0"/>
+            <a:ext cx="9144000" cy="6858000"/>
+          </a:xfrm>
+          <a:prstGeom prst="rect">
+            <a:avLst/>
+          </a:prstGeom>
+          <a:noFill/>
+          <a:ln w="9525">
+            <a:noFill/>
+            <a:miter lim="800000"/>
+            <a:headEnd/>
+            <a:tailEnd/>
+          </a:ln>
+          <a:effectLst/>
+        </p:spPr>
+      </p:pic>
+    </p:spTree>
+  </p:cSld>
+  <p:clrMapOvr>
+    <a:masterClrMapping/>
+  </p:clrMapOvr>
+</p:sld>
+</file>
+
 <file path=ppt/theme/theme1.xml><?xml version="1.0" encoding="utf-8"?>
 <a:theme xmlns:a="http://schemas.openxmlformats.org/drawingml/2006/main" name="Office 테마">
   <a:themeElements>
